--- a/ppt 16-9/0215.和平君王归故乡.pptx
+++ b/ppt 16-9/0215.和平君王归故乡.pptx
@@ -5,7 +5,7 @@
     <p:sldMasterId id="2147483648" r:id="rId1"/>
   </p:sldMasterIdLst>
   <p:sldIdLst>
-    <p:sldId id="2863" r:id="rId2"/>
+    <p:sldId id="2868" r:id="rId2"/>
   </p:sldIdLst>
   <p:sldSz cx="12192000" cy="6858000"/>
   <p:notesSz cx="6858000" cy="9144000"/>
@@ -129,7 +129,7 @@
           <p:cNvPr id="2" name="标题 1">
             <a:extLst>
               <a:ext uri="{FF2B5EF4-FFF2-40B4-BE49-F238E27FC236}">
-                <a16:creationId xmlns:a16="http://schemas.microsoft.com/office/drawing/2014/main" id="{3B7969B6-7583-B418-0AF9-52A763B11834}"/>
+                <a16:creationId xmlns:a16="http://schemas.microsoft.com/office/drawing/2014/main" id="{63F586E9-5045-0C18-A021-1A8FB1BDCE2A}"/>
               </a:ext>
             </a:extLst>
           </p:cNvPr>
@@ -166,7 +166,7 @@
           <p:cNvPr id="3" name="副标题 2">
             <a:extLst>
               <a:ext uri="{FF2B5EF4-FFF2-40B4-BE49-F238E27FC236}">
-                <a16:creationId xmlns:a16="http://schemas.microsoft.com/office/drawing/2014/main" id="{7C69C140-2200-6339-C37F-A5E9EDC794A8}"/>
+                <a16:creationId xmlns:a16="http://schemas.microsoft.com/office/drawing/2014/main" id="{C2DCE38B-A07B-77F8-408D-A873C9543CC3}"/>
               </a:ext>
             </a:extLst>
           </p:cNvPr>
@@ -236,7 +236,7 @@
           <p:cNvPr id="4" name="日期占位符 3">
             <a:extLst>
               <a:ext uri="{FF2B5EF4-FFF2-40B4-BE49-F238E27FC236}">
-                <a16:creationId xmlns:a16="http://schemas.microsoft.com/office/drawing/2014/main" id="{39C6AF60-C2EE-D8D7-5E7B-F07FFD74CA62}"/>
+                <a16:creationId xmlns:a16="http://schemas.microsoft.com/office/drawing/2014/main" id="{C3DA2FDB-66CF-5D06-4760-873C301C3F4D}"/>
               </a:ext>
             </a:extLst>
           </p:cNvPr>
@@ -252,7 +252,7 @@
           <a:bodyPr/>
           <a:lstStyle/>
           <a:p>
-            <a:fld id="{E35323F7-301D-49BC-9403-50B3857597D1}" type="datetimeFigureOut">
+            <a:fld id="{00A00E4D-E38A-4B02-98B9-B1EBB768A1AB}" type="datetimeFigureOut">
               <a:rPr lang="zh-CN" altLang="en-US" smtClean="0"/>
               <a:t>2024/3/10</a:t>
             </a:fld>
@@ -265,7 +265,7 @@
           <p:cNvPr id="5" name="页脚占位符 4">
             <a:extLst>
               <a:ext uri="{FF2B5EF4-FFF2-40B4-BE49-F238E27FC236}">
-                <a16:creationId xmlns:a16="http://schemas.microsoft.com/office/drawing/2014/main" id="{C37996AA-E9D1-3CAA-E077-AB01F542022B}"/>
+                <a16:creationId xmlns:a16="http://schemas.microsoft.com/office/drawing/2014/main" id="{5C59C5EB-804B-C4C3-0CA4-8CFF52A9DA97}"/>
               </a:ext>
             </a:extLst>
           </p:cNvPr>
@@ -290,7 +290,7 @@
           <p:cNvPr id="6" name="灯片编号占位符 5">
             <a:extLst>
               <a:ext uri="{FF2B5EF4-FFF2-40B4-BE49-F238E27FC236}">
-                <a16:creationId xmlns:a16="http://schemas.microsoft.com/office/drawing/2014/main" id="{D1AD1139-D788-EF57-C045-9E494768FD05}"/>
+                <a16:creationId xmlns:a16="http://schemas.microsoft.com/office/drawing/2014/main" id="{7142AFFF-14F6-7FA3-45DB-B797E59B2C0E}"/>
               </a:ext>
             </a:extLst>
           </p:cNvPr>
@@ -306,7 +306,7 @@
           <a:bodyPr/>
           <a:lstStyle/>
           <a:p>
-            <a:fld id="{8DBBC0C1-7D2D-44EF-8C64-39DD44CD7B47}" type="slidenum">
+            <a:fld id="{8CDED345-DE58-49A9-A77A-320CC738F99C}" type="slidenum">
               <a:rPr lang="zh-CN" altLang="en-US" smtClean="0"/>
               <a:t>‹#›</a:t>
             </a:fld>
@@ -317,7 +317,7 @@
     </p:spTree>
     <p:extLst>
       <p:ext uri="{BB962C8B-B14F-4D97-AF65-F5344CB8AC3E}">
-        <p14:creationId xmlns:p14="http://schemas.microsoft.com/office/powerpoint/2010/main" val="3063143337"/>
+        <p14:creationId xmlns:p14="http://schemas.microsoft.com/office/powerpoint/2010/main" val="498353428"/>
       </p:ext>
     </p:extLst>
   </p:cSld>
@@ -349,7 +349,7 @@
           <p:cNvPr id="2" name="标题 1">
             <a:extLst>
               <a:ext uri="{FF2B5EF4-FFF2-40B4-BE49-F238E27FC236}">
-                <a16:creationId xmlns:a16="http://schemas.microsoft.com/office/drawing/2014/main" id="{D74C28BC-E2BE-77D1-5F57-D443E7B17C86}"/>
+                <a16:creationId xmlns:a16="http://schemas.microsoft.com/office/drawing/2014/main" id="{2CA551CF-163E-795E-FF88-16B489D3376A}"/>
               </a:ext>
             </a:extLst>
           </p:cNvPr>
@@ -377,7 +377,7 @@
           <p:cNvPr id="3" name="竖排文字占位符 2">
             <a:extLst>
               <a:ext uri="{FF2B5EF4-FFF2-40B4-BE49-F238E27FC236}">
-                <a16:creationId xmlns:a16="http://schemas.microsoft.com/office/drawing/2014/main" id="{BC804239-A5D4-A7AC-AC5A-C62A0381F24C}"/>
+                <a16:creationId xmlns:a16="http://schemas.microsoft.com/office/drawing/2014/main" id="{73B27FA7-DCB2-7036-DA40-4A1313AD34DA}"/>
               </a:ext>
             </a:extLst>
           </p:cNvPr>
@@ -434,7 +434,7 @@
           <p:cNvPr id="4" name="日期占位符 3">
             <a:extLst>
               <a:ext uri="{FF2B5EF4-FFF2-40B4-BE49-F238E27FC236}">
-                <a16:creationId xmlns:a16="http://schemas.microsoft.com/office/drawing/2014/main" id="{0C2D906E-FBD1-12F6-74F4-C46F90AD44FE}"/>
+                <a16:creationId xmlns:a16="http://schemas.microsoft.com/office/drawing/2014/main" id="{330E509D-B250-0C24-70E7-F911A831DFE3}"/>
               </a:ext>
             </a:extLst>
           </p:cNvPr>
@@ -450,7 +450,7 @@
           <a:bodyPr/>
           <a:lstStyle/>
           <a:p>
-            <a:fld id="{E35323F7-301D-49BC-9403-50B3857597D1}" type="datetimeFigureOut">
+            <a:fld id="{00A00E4D-E38A-4B02-98B9-B1EBB768A1AB}" type="datetimeFigureOut">
               <a:rPr lang="zh-CN" altLang="en-US" smtClean="0"/>
               <a:t>2024/3/10</a:t>
             </a:fld>
@@ -463,7 +463,7 @@
           <p:cNvPr id="5" name="页脚占位符 4">
             <a:extLst>
               <a:ext uri="{FF2B5EF4-FFF2-40B4-BE49-F238E27FC236}">
-                <a16:creationId xmlns:a16="http://schemas.microsoft.com/office/drawing/2014/main" id="{EB607F7A-6735-1548-F399-F2F57DBCE20C}"/>
+                <a16:creationId xmlns:a16="http://schemas.microsoft.com/office/drawing/2014/main" id="{F230F660-F29E-5294-E260-C57FD7A7758C}"/>
               </a:ext>
             </a:extLst>
           </p:cNvPr>
@@ -488,7 +488,7 @@
           <p:cNvPr id="6" name="灯片编号占位符 5">
             <a:extLst>
               <a:ext uri="{FF2B5EF4-FFF2-40B4-BE49-F238E27FC236}">
-                <a16:creationId xmlns:a16="http://schemas.microsoft.com/office/drawing/2014/main" id="{59C5B371-38FB-0F76-A225-5FB164B2053D}"/>
+                <a16:creationId xmlns:a16="http://schemas.microsoft.com/office/drawing/2014/main" id="{CC98D63D-EAB4-8FAF-9FB1-ED71247B5C7E}"/>
               </a:ext>
             </a:extLst>
           </p:cNvPr>
@@ -504,7 +504,7 @@
           <a:bodyPr/>
           <a:lstStyle/>
           <a:p>
-            <a:fld id="{8DBBC0C1-7D2D-44EF-8C64-39DD44CD7B47}" type="slidenum">
+            <a:fld id="{8CDED345-DE58-49A9-A77A-320CC738F99C}" type="slidenum">
               <a:rPr lang="zh-CN" altLang="en-US" smtClean="0"/>
               <a:t>‹#›</a:t>
             </a:fld>
@@ -515,7 +515,7 @@
     </p:spTree>
     <p:extLst>
       <p:ext uri="{BB962C8B-B14F-4D97-AF65-F5344CB8AC3E}">
-        <p14:creationId xmlns:p14="http://schemas.microsoft.com/office/powerpoint/2010/main" val="1164986061"/>
+        <p14:creationId xmlns:p14="http://schemas.microsoft.com/office/powerpoint/2010/main" val="1499821515"/>
       </p:ext>
     </p:extLst>
   </p:cSld>
@@ -547,7 +547,7 @@
           <p:cNvPr id="2" name="竖排标题 1">
             <a:extLst>
               <a:ext uri="{FF2B5EF4-FFF2-40B4-BE49-F238E27FC236}">
-                <a16:creationId xmlns:a16="http://schemas.microsoft.com/office/drawing/2014/main" id="{0BD499B3-2F0E-6DC6-20A6-18529E3E60AC}"/>
+                <a16:creationId xmlns:a16="http://schemas.microsoft.com/office/drawing/2014/main" id="{2C1391D9-E971-DD0B-7CD5-F43CEEF4E0D8}"/>
               </a:ext>
             </a:extLst>
           </p:cNvPr>
@@ -580,7 +580,7 @@
           <p:cNvPr id="3" name="竖排文字占位符 2">
             <a:extLst>
               <a:ext uri="{FF2B5EF4-FFF2-40B4-BE49-F238E27FC236}">
-                <a16:creationId xmlns:a16="http://schemas.microsoft.com/office/drawing/2014/main" id="{AC8ABDFD-DE3B-C31B-CE26-B39CEA168C57}"/>
+                <a16:creationId xmlns:a16="http://schemas.microsoft.com/office/drawing/2014/main" id="{A165CDA2-16E1-8D44-11A6-B1D4E1351149}"/>
               </a:ext>
             </a:extLst>
           </p:cNvPr>
@@ -642,7 +642,7 @@
           <p:cNvPr id="4" name="日期占位符 3">
             <a:extLst>
               <a:ext uri="{FF2B5EF4-FFF2-40B4-BE49-F238E27FC236}">
-                <a16:creationId xmlns:a16="http://schemas.microsoft.com/office/drawing/2014/main" id="{E0AE5C47-F7DA-C336-9116-88F21333B445}"/>
+                <a16:creationId xmlns:a16="http://schemas.microsoft.com/office/drawing/2014/main" id="{C1A7A0DA-5296-96AE-DFF6-A341A2300439}"/>
               </a:ext>
             </a:extLst>
           </p:cNvPr>
@@ -658,7 +658,7 @@
           <a:bodyPr/>
           <a:lstStyle/>
           <a:p>
-            <a:fld id="{E35323F7-301D-49BC-9403-50B3857597D1}" type="datetimeFigureOut">
+            <a:fld id="{00A00E4D-E38A-4B02-98B9-B1EBB768A1AB}" type="datetimeFigureOut">
               <a:rPr lang="zh-CN" altLang="en-US" smtClean="0"/>
               <a:t>2024/3/10</a:t>
             </a:fld>
@@ -671,7 +671,7 @@
           <p:cNvPr id="5" name="页脚占位符 4">
             <a:extLst>
               <a:ext uri="{FF2B5EF4-FFF2-40B4-BE49-F238E27FC236}">
-                <a16:creationId xmlns:a16="http://schemas.microsoft.com/office/drawing/2014/main" id="{D11CBE81-C2C2-8C00-2836-A2F0103DA52D}"/>
+                <a16:creationId xmlns:a16="http://schemas.microsoft.com/office/drawing/2014/main" id="{BEB53250-F427-4C3D-BC7B-54459CEC395E}"/>
               </a:ext>
             </a:extLst>
           </p:cNvPr>
@@ -696,7 +696,7 @@
           <p:cNvPr id="6" name="灯片编号占位符 5">
             <a:extLst>
               <a:ext uri="{FF2B5EF4-FFF2-40B4-BE49-F238E27FC236}">
-                <a16:creationId xmlns:a16="http://schemas.microsoft.com/office/drawing/2014/main" id="{46BCB687-C911-3D95-3BEC-8F2E10E178B3}"/>
+                <a16:creationId xmlns:a16="http://schemas.microsoft.com/office/drawing/2014/main" id="{6AFF4E6E-E256-ADA6-2972-89C32A8D6B68}"/>
               </a:ext>
             </a:extLst>
           </p:cNvPr>
@@ -712,7 +712,7 @@
           <a:bodyPr/>
           <a:lstStyle/>
           <a:p>
-            <a:fld id="{8DBBC0C1-7D2D-44EF-8C64-39DD44CD7B47}" type="slidenum">
+            <a:fld id="{8CDED345-DE58-49A9-A77A-320CC738F99C}" type="slidenum">
               <a:rPr lang="zh-CN" altLang="en-US" smtClean="0"/>
               <a:t>‹#›</a:t>
             </a:fld>
@@ -723,7 +723,7 @@
     </p:spTree>
     <p:extLst>
       <p:ext uri="{BB962C8B-B14F-4D97-AF65-F5344CB8AC3E}">
-        <p14:creationId xmlns:p14="http://schemas.microsoft.com/office/powerpoint/2010/main" val="2454260681"/>
+        <p14:creationId xmlns:p14="http://schemas.microsoft.com/office/powerpoint/2010/main" val="1341313920"/>
       </p:ext>
     </p:extLst>
   </p:cSld>
@@ -755,7 +755,7 @@
           <p:cNvPr id="2" name="标题 1">
             <a:extLst>
               <a:ext uri="{FF2B5EF4-FFF2-40B4-BE49-F238E27FC236}">
-                <a16:creationId xmlns:a16="http://schemas.microsoft.com/office/drawing/2014/main" id="{DE76C331-3F51-EE2D-1AA1-C17BB2E90E7C}"/>
+                <a16:creationId xmlns:a16="http://schemas.microsoft.com/office/drawing/2014/main" id="{3B74D213-94FA-3AA9-D25F-9B4A2A13E27D}"/>
               </a:ext>
             </a:extLst>
           </p:cNvPr>
@@ -783,7 +783,7 @@
           <p:cNvPr id="3" name="内容占位符 2">
             <a:extLst>
               <a:ext uri="{FF2B5EF4-FFF2-40B4-BE49-F238E27FC236}">
-                <a16:creationId xmlns:a16="http://schemas.microsoft.com/office/drawing/2014/main" id="{03746491-911D-8F16-045F-0E7316BBC698}"/>
+                <a16:creationId xmlns:a16="http://schemas.microsoft.com/office/drawing/2014/main" id="{358E2E42-CED3-7BB0-25F8-262538B82C49}"/>
               </a:ext>
             </a:extLst>
           </p:cNvPr>
@@ -840,7 +840,7 @@
           <p:cNvPr id="4" name="日期占位符 3">
             <a:extLst>
               <a:ext uri="{FF2B5EF4-FFF2-40B4-BE49-F238E27FC236}">
-                <a16:creationId xmlns:a16="http://schemas.microsoft.com/office/drawing/2014/main" id="{9FC2E8D2-EBB7-C31F-9B9F-026DD7EC2839}"/>
+                <a16:creationId xmlns:a16="http://schemas.microsoft.com/office/drawing/2014/main" id="{2522E635-4107-0C94-1B2B-999E8FD3B2E0}"/>
               </a:ext>
             </a:extLst>
           </p:cNvPr>
@@ -856,7 +856,7 @@
           <a:bodyPr/>
           <a:lstStyle/>
           <a:p>
-            <a:fld id="{E35323F7-301D-49BC-9403-50B3857597D1}" type="datetimeFigureOut">
+            <a:fld id="{00A00E4D-E38A-4B02-98B9-B1EBB768A1AB}" type="datetimeFigureOut">
               <a:rPr lang="zh-CN" altLang="en-US" smtClean="0"/>
               <a:t>2024/3/10</a:t>
             </a:fld>
@@ -869,7 +869,7 @@
           <p:cNvPr id="5" name="页脚占位符 4">
             <a:extLst>
               <a:ext uri="{FF2B5EF4-FFF2-40B4-BE49-F238E27FC236}">
-                <a16:creationId xmlns:a16="http://schemas.microsoft.com/office/drawing/2014/main" id="{B082BB02-3A5D-E97D-0F75-80FBAA7F6413}"/>
+                <a16:creationId xmlns:a16="http://schemas.microsoft.com/office/drawing/2014/main" id="{1E142186-C75C-3025-51B8-F35796C24998}"/>
               </a:ext>
             </a:extLst>
           </p:cNvPr>
@@ -894,7 +894,7 @@
           <p:cNvPr id="6" name="灯片编号占位符 5">
             <a:extLst>
               <a:ext uri="{FF2B5EF4-FFF2-40B4-BE49-F238E27FC236}">
-                <a16:creationId xmlns:a16="http://schemas.microsoft.com/office/drawing/2014/main" id="{3E0E372D-CFC7-A767-229B-CC1C27EB47D3}"/>
+                <a16:creationId xmlns:a16="http://schemas.microsoft.com/office/drawing/2014/main" id="{C9714A2A-A294-726A-9D8B-3057C32F503C}"/>
               </a:ext>
             </a:extLst>
           </p:cNvPr>
@@ -910,7 +910,7 @@
           <a:bodyPr/>
           <a:lstStyle/>
           <a:p>
-            <a:fld id="{8DBBC0C1-7D2D-44EF-8C64-39DD44CD7B47}" type="slidenum">
+            <a:fld id="{8CDED345-DE58-49A9-A77A-320CC738F99C}" type="slidenum">
               <a:rPr lang="zh-CN" altLang="en-US" smtClean="0"/>
               <a:t>‹#›</a:t>
             </a:fld>
@@ -921,7 +921,7 @@
     </p:spTree>
     <p:extLst>
       <p:ext uri="{BB962C8B-B14F-4D97-AF65-F5344CB8AC3E}">
-        <p14:creationId xmlns:p14="http://schemas.microsoft.com/office/powerpoint/2010/main" val="1713539796"/>
+        <p14:creationId xmlns:p14="http://schemas.microsoft.com/office/powerpoint/2010/main" val="3225630656"/>
       </p:ext>
     </p:extLst>
   </p:cSld>
@@ -953,7 +953,7 @@
           <p:cNvPr id="2" name="标题 1">
             <a:extLst>
               <a:ext uri="{FF2B5EF4-FFF2-40B4-BE49-F238E27FC236}">
-                <a16:creationId xmlns:a16="http://schemas.microsoft.com/office/drawing/2014/main" id="{4627E841-F295-DE83-6C68-FFD4242C36A8}"/>
+                <a16:creationId xmlns:a16="http://schemas.microsoft.com/office/drawing/2014/main" id="{8F798CCC-F1E9-7783-47C6-BB40B088ABB8}"/>
               </a:ext>
             </a:extLst>
           </p:cNvPr>
@@ -990,7 +990,7 @@
           <p:cNvPr id="3" name="文本占位符 2">
             <a:extLst>
               <a:ext uri="{FF2B5EF4-FFF2-40B4-BE49-F238E27FC236}">
-                <a16:creationId xmlns:a16="http://schemas.microsoft.com/office/drawing/2014/main" id="{7BE37E42-FEB4-A3D3-F5B8-F58F3741860D}"/>
+                <a16:creationId xmlns:a16="http://schemas.microsoft.com/office/drawing/2014/main" id="{448D5F59-56B4-442B-547B-25C9252E6FF7}"/>
               </a:ext>
             </a:extLst>
           </p:cNvPr>
@@ -1115,7 +1115,7 @@
           <p:cNvPr id="4" name="日期占位符 3">
             <a:extLst>
               <a:ext uri="{FF2B5EF4-FFF2-40B4-BE49-F238E27FC236}">
-                <a16:creationId xmlns:a16="http://schemas.microsoft.com/office/drawing/2014/main" id="{36BDD1D3-4DFF-B553-390E-43B423EEE728}"/>
+                <a16:creationId xmlns:a16="http://schemas.microsoft.com/office/drawing/2014/main" id="{0D26FB8C-780F-F738-5903-36B8362BE2E1}"/>
               </a:ext>
             </a:extLst>
           </p:cNvPr>
@@ -1131,7 +1131,7 @@
           <a:bodyPr/>
           <a:lstStyle/>
           <a:p>
-            <a:fld id="{E35323F7-301D-49BC-9403-50B3857597D1}" type="datetimeFigureOut">
+            <a:fld id="{00A00E4D-E38A-4B02-98B9-B1EBB768A1AB}" type="datetimeFigureOut">
               <a:rPr lang="zh-CN" altLang="en-US" smtClean="0"/>
               <a:t>2024/3/10</a:t>
             </a:fld>
@@ -1144,7 +1144,7 @@
           <p:cNvPr id="5" name="页脚占位符 4">
             <a:extLst>
               <a:ext uri="{FF2B5EF4-FFF2-40B4-BE49-F238E27FC236}">
-                <a16:creationId xmlns:a16="http://schemas.microsoft.com/office/drawing/2014/main" id="{BC1388DA-260C-6667-227C-50F469AE37FB}"/>
+                <a16:creationId xmlns:a16="http://schemas.microsoft.com/office/drawing/2014/main" id="{071AE42E-54C3-835E-873E-F2A2D59DE7F2}"/>
               </a:ext>
             </a:extLst>
           </p:cNvPr>
@@ -1169,7 +1169,7 @@
           <p:cNvPr id="6" name="灯片编号占位符 5">
             <a:extLst>
               <a:ext uri="{FF2B5EF4-FFF2-40B4-BE49-F238E27FC236}">
-                <a16:creationId xmlns:a16="http://schemas.microsoft.com/office/drawing/2014/main" id="{774516A1-C06C-D2A5-B281-86D71FD15D52}"/>
+                <a16:creationId xmlns:a16="http://schemas.microsoft.com/office/drawing/2014/main" id="{B1BA9D13-D39D-599C-AD03-B8A6EECB7D53}"/>
               </a:ext>
             </a:extLst>
           </p:cNvPr>
@@ -1185,7 +1185,7 @@
           <a:bodyPr/>
           <a:lstStyle/>
           <a:p>
-            <a:fld id="{8DBBC0C1-7D2D-44EF-8C64-39DD44CD7B47}" type="slidenum">
+            <a:fld id="{8CDED345-DE58-49A9-A77A-320CC738F99C}" type="slidenum">
               <a:rPr lang="zh-CN" altLang="en-US" smtClean="0"/>
               <a:t>‹#›</a:t>
             </a:fld>
@@ -1196,7 +1196,7 @@
     </p:spTree>
     <p:extLst>
       <p:ext uri="{BB962C8B-B14F-4D97-AF65-F5344CB8AC3E}">
-        <p14:creationId xmlns:p14="http://schemas.microsoft.com/office/powerpoint/2010/main" val="1471955464"/>
+        <p14:creationId xmlns:p14="http://schemas.microsoft.com/office/powerpoint/2010/main" val="485736278"/>
       </p:ext>
     </p:extLst>
   </p:cSld>
@@ -1228,7 +1228,7 @@
           <p:cNvPr id="2" name="标题 1">
             <a:extLst>
               <a:ext uri="{FF2B5EF4-FFF2-40B4-BE49-F238E27FC236}">
-                <a16:creationId xmlns:a16="http://schemas.microsoft.com/office/drawing/2014/main" id="{A0060989-BA07-41C9-DEA1-75B39A339F84}"/>
+                <a16:creationId xmlns:a16="http://schemas.microsoft.com/office/drawing/2014/main" id="{526B4649-D5E2-5AB2-5952-EF105EF5FCE8}"/>
               </a:ext>
             </a:extLst>
           </p:cNvPr>
@@ -1256,7 +1256,7 @@
           <p:cNvPr id="3" name="内容占位符 2">
             <a:extLst>
               <a:ext uri="{FF2B5EF4-FFF2-40B4-BE49-F238E27FC236}">
-                <a16:creationId xmlns:a16="http://schemas.microsoft.com/office/drawing/2014/main" id="{552DF07C-A064-FF13-37A1-766CD157BD60}"/>
+                <a16:creationId xmlns:a16="http://schemas.microsoft.com/office/drawing/2014/main" id="{FDF92444-5D87-C78A-CAD3-945715A0084C}"/>
               </a:ext>
             </a:extLst>
           </p:cNvPr>
@@ -1318,7 +1318,7 @@
           <p:cNvPr id="4" name="内容占位符 3">
             <a:extLst>
               <a:ext uri="{FF2B5EF4-FFF2-40B4-BE49-F238E27FC236}">
-                <a16:creationId xmlns:a16="http://schemas.microsoft.com/office/drawing/2014/main" id="{A70C9B62-050E-DAF0-1406-7898CB6EA894}"/>
+                <a16:creationId xmlns:a16="http://schemas.microsoft.com/office/drawing/2014/main" id="{9882142F-EF6D-5C45-1006-4FD68AD230DF}"/>
               </a:ext>
             </a:extLst>
           </p:cNvPr>
@@ -1380,7 +1380,7 @@
           <p:cNvPr id="5" name="日期占位符 4">
             <a:extLst>
               <a:ext uri="{FF2B5EF4-FFF2-40B4-BE49-F238E27FC236}">
-                <a16:creationId xmlns:a16="http://schemas.microsoft.com/office/drawing/2014/main" id="{93C25D1C-7127-85AC-E9EE-B45F36B32CEA}"/>
+                <a16:creationId xmlns:a16="http://schemas.microsoft.com/office/drawing/2014/main" id="{135F8DDB-B1AB-F273-7AAE-8581D107EAB6}"/>
               </a:ext>
             </a:extLst>
           </p:cNvPr>
@@ -1396,7 +1396,7 @@
           <a:bodyPr/>
           <a:lstStyle/>
           <a:p>
-            <a:fld id="{E35323F7-301D-49BC-9403-50B3857597D1}" type="datetimeFigureOut">
+            <a:fld id="{00A00E4D-E38A-4B02-98B9-B1EBB768A1AB}" type="datetimeFigureOut">
               <a:rPr lang="zh-CN" altLang="en-US" smtClean="0"/>
               <a:t>2024/3/10</a:t>
             </a:fld>
@@ -1409,7 +1409,7 @@
           <p:cNvPr id="6" name="页脚占位符 5">
             <a:extLst>
               <a:ext uri="{FF2B5EF4-FFF2-40B4-BE49-F238E27FC236}">
-                <a16:creationId xmlns:a16="http://schemas.microsoft.com/office/drawing/2014/main" id="{8CA54B84-C10A-A1E2-59DE-E32C8393F0E8}"/>
+                <a16:creationId xmlns:a16="http://schemas.microsoft.com/office/drawing/2014/main" id="{1BF56238-7B37-0D5D-6914-02479F9F5F85}"/>
               </a:ext>
             </a:extLst>
           </p:cNvPr>
@@ -1434,7 +1434,7 @@
           <p:cNvPr id="7" name="灯片编号占位符 6">
             <a:extLst>
               <a:ext uri="{FF2B5EF4-FFF2-40B4-BE49-F238E27FC236}">
-                <a16:creationId xmlns:a16="http://schemas.microsoft.com/office/drawing/2014/main" id="{D694BC00-98D7-EDF9-68CD-F934DC9037D7}"/>
+                <a16:creationId xmlns:a16="http://schemas.microsoft.com/office/drawing/2014/main" id="{991F0B50-F505-DF4F-0870-1C444190C61D}"/>
               </a:ext>
             </a:extLst>
           </p:cNvPr>
@@ -1450,7 +1450,7 @@
           <a:bodyPr/>
           <a:lstStyle/>
           <a:p>
-            <a:fld id="{8DBBC0C1-7D2D-44EF-8C64-39DD44CD7B47}" type="slidenum">
+            <a:fld id="{8CDED345-DE58-49A9-A77A-320CC738F99C}" type="slidenum">
               <a:rPr lang="zh-CN" altLang="en-US" smtClean="0"/>
               <a:t>‹#›</a:t>
             </a:fld>
@@ -1461,7 +1461,7 @@
     </p:spTree>
     <p:extLst>
       <p:ext uri="{BB962C8B-B14F-4D97-AF65-F5344CB8AC3E}">
-        <p14:creationId xmlns:p14="http://schemas.microsoft.com/office/powerpoint/2010/main" val="4144531165"/>
+        <p14:creationId xmlns:p14="http://schemas.microsoft.com/office/powerpoint/2010/main" val="933014064"/>
       </p:ext>
     </p:extLst>
   </p:cSld>
@@ -1493,7 +1493,7 @@
           <p:cNvPr id="2" name="标题 1">
             <a:extLst>
               <a:ext uri="{FF2B5EF4-FFF2-40B4-BE49-F238E27FC236}">
-                <a16:creationId xmlns:a16="http://schemas.microsoft.com/office/drawing/2014/main" id="{9573275D-C3E2-6065-D6CD-A56BA7C0C44B}"/>
+                <a16:creationId xmlns:a16="http://schemas.microsoft.com/office/drawing/2014/main" id="{A3542732-5204-E7B0-09E8-3A919AA6BBF3}"/>
               </a:ext>
             </a:extLst>
           </p:cNvPr>
@@ -1526,7 +1526,7 @@
           <p:cNvPr id="3" name="文本占位符 2">
             <a:extLst>
               <a:ext uri="{FF2B5EF4-FFF2-40B4-BE49-F238E27FC236}">
-                <a16:creationId xmlns:a16="http://schemas.microsoft.com/office/drawing/2014/main" id="{1CB16924-C3B9-1774-C92A-E98C0CA72428}"/>
+                <a16:creationId xmlns:a16="http://schemas.microsoft.com/office/drawing/2014/main" id="{B4192C89-3410-AEB8-D69D-BE52966B27A3}"/>
               </a:ext>
             </a:extLst>
           </p:cNvPr>
@@ -1597,7 +1597,7 @@
           <p:cNvPr id="4" name="内容占位符 3">
             <a:extLst>
               <a:ext uri="{FF2B5EF4-FFF2-40B4-BE49-F238E27FC236}">
-                <a16:creationId xmlns:a16="http://schemas.microsoft.com/office/drawing/2014/main" id="{AD34ED8E-2E7D-4B11-46DC-B8D006924DBD}"/>
+                <a16:creationId xmlns:a16="http://schemas.microsoft.com/office/drawing/2014/main" id="{F9B4DBFE-C98F-6EAC-7814-122E033377D8}"/>
               </a:ext>
             </a:extLst>
           </p:cNvPr>
@@ -1659,7 +1659,7 @@
           <p:cNvPr id="5" name="文本占位符 4">
             <a:extLst>
               <a:ext uri="{FF2B5EF4-FFF2-40B4-BE49-F238E27FC236}">
-                <a16:creationId xmlns:a16="http://schemas.microsoft.com/office/drawing/2014/main" id="{F6C5A2B8-236A-45E2-AD79-B100AF00FA1F}"/>
+                <a16:creationId xmlns:a16="http://schemas.microsoft.com/office/drawing/2014/main" id="{6961228E-9096-E1C2-7DCC-C88FEFDBED08}"/>
               </a:ext>
             </a:extLst>
           </p:cNvPr>
@@ -1730,7 +1730,7 @@
           <p:cNvPr id="6" name="内容占位符 5">
             <a:extLst>
               <a:ext uri="{FF2B5EF4-FFF2-40B4-BE49-F238E27FC236}">
-                <a16:creationId xmlns:a16="http://schemas.microsoft.com/office/drawing/2014/main" id="{E244BF45-BC4C-BA46-425A-EC826FE0CD66}"/>
+                <a16:creationId xmlns:a16="http://schemas.microsoft.com/office/drawing/2014/main" id="{71BC573C-F88D-1CA2-BCEF-D691CB4B4496}"/>
               </a:ext>
             </a:extLst>
           </p:cNvPr>
@@ -1792,7 +1792,7 @@
           <p:cNvPr id="7" name="日期占位符 6">
             <a:extLst>
               <a:ext uri="{FF2B5EF4-FFF2-40B4-BE49-F238E27FC236}">
-                <a16:creationId xmlns:a16="http://schemas.microsoft.com/office/drawing/2014/main" id="{51E525C0-9F23-CC4D-7B17-140BA4C767A3}"/>
+                <a16:creationId xmlns:a16="http://schemas.microsoft.com/office/drawing/2014/main" id="{A19EA37D-99E4-9221-738C-1C122964DEB9}"/>
               </a:ext>
             </a:extLst>
           </p:cNvPr>
@@ -1808,7 +1808,7 @@
           <a:bodyPr/>
           <a:lstStyle/>
           <a:p>
-            <a:fld id="{E35323F7-301D-49BC-9403-50B3857597D1}" type="datetimeFigureOut">
+            <a:fld id="{00A00E4D-E38A-4B02-98B9-B1EBB768A1AB}" type="datetimeFigureOut">
               <a:rPr lang="zh-CN" altLang="en-US" smtClean="0"/>
               <a:t>2024/3/10</a:t>
             </a:fld>
@@ -1821,7 +1821,7 @@
           <p:cNvPr id="8" name="页脚占位符 7">
             <a:extLst>
               <a:ext uri="{FF2B5EF4-FFF2-40B4-BE49-F238E27FC236}">
-                <a16:creationId xmlns:a16="http://schemas.microsoft.com/office/drawing/2014/main" id="{E67BC782-04EB-A73D-99EC-FC5B51B79044}"/>
+                <a16:creationId xmlns:a16="http://schemas.microsoft.com/office/drawing/2014/main" id="{1E29BEC9-C944-8B37-D49F-314280A952F8}"/>
               </a:ext>
             </a:extLst>
           </p:cNvPr>
@@ -1846,7 +1846,7 @@
           <p:cNvPr id="9" name="灯片编号占位符 8">
             <a:extLst>
               <a:ext uri="{FF2B5EF4-FFF2-40B4-BE49-F238E27FC236}">
-                <a16:creationId xmlns:a16="http://schemas.microsoft.com/office/drawing/2014/main" id="{FFA15C70-627B-BC96-A5B2-7F9E59F69B67}"/>
+                <a16:creationId xmlns:a16="http://schemas.microsoft.com/office/drawing/2014/main" id="{377B71BF-0310-57B4-D6F0-C83E2D41623D}"/>
               </a:ext>
             </a:extLst>
           </p:cNvPr>
@@ -1862,7 +1862,7 @@
           <a:bodyPr/>
           <a:lstStyle/>
           <a:p>
-            <a:fld id="{8DBBC0C1-7D2D-44EF-8C64-39DD44CD7B47}" type="slidenum">
+            <a:fld id="{8CDED345-DE58-49A9-A77A-320CC738F99C}" type="slidenum">
               <a:rPr lang="zh-CN" altLang="en-US" smtClean="0"/>
               <a:t>‹#›</a:t>
             </a:fld>
@@ -1873,7 +1873,7 @@
     </p:spTree>
     <p:extLst>
       <p:ext uri="{BB962C8B-B14F-4D97-AF65-F5344CB8AC3E}">
-        <p14:creationId xmlns:p14="http://schemas.microsoft.com/office/powerpoint/2010/main" val="312807935"/>
+        <p14:creationId xmlns:p14="http://schemas.microsoft.com/office/powerpoint/2010/main" val="2947402976"/>
       </p:ext>
     </p:extLst>
   </p:cSld>
@@ -1905,7 +1905,7 @@
           <p:cNvPr id="2" name="标题 1">
             <a:extLst>
               <a:ext uri="{FF2B5EF4-FFF2-40B4-BE49-F238E27FC236}">
-                <a16:creationId xmlns:a16="http://schemas.microsoft.com/office/drawing/2014/main" id="{C61E095A-182C-9BF4-9D94-10B1B9D2978C}"/>
+                <a16:creationId xmlns:a16="http://schemas.microsoft.com/office/drawing/2014/main" id="{FEEECB5D-6A1D-7EB7-7CCD-6FB3F83FC2E0}"/>
               </a:ext>
             </a:extLst>
           </p:cNvPr>
@@ -1933,7 +1933,7 @@
           <p:cNvPr id="3" name="日期占位符 2">
             <a:extLst>
               <a:ext uri="{FF2B5EF4-FFF2-40B4-BE49-F238E27FC236}">
-                <a16:creationId xmlns:a16="http://schemas.microsoft.com/office/drawing/2014/main" id="{BD1BD897-47D3-1652-6D5D-DE9091D50CB3}"/>
+                <a16:creationId xmlns:a16="http://schemas.microsoft.com/office/drawing/2014/main" id="{63D0D4C3-79D3-87E6-27D3-5277307584BD}"/>
               </a:ext>
             </a:extLst>
           </p:cNvPr>
@@ -1949,7 +1949,7 @@
           <a:bodyPr/>
           <a:lstStyle/>
           <a:p>
-            <a:fld id="{E35323F7-301D-49BC-9403-50B3857597D1}" type="datetimeFigureOut">
+            <a:fld id="{00A00E4D-E38A-4B02-98B9-B1EBB768A1AB}" type="datetimeFigureOut">
               <a:rPr lang="zh-CN" altLang="en-US" smtClean="0"/>
               <a:t>2024/3/10</a:t>
             </a:fld>
@@ -1962,7 +1962,7 @@
           <p:cNvPr id="4" name="页脚占位符 3">
             <a:extLst>
               <a:ext uri="{FF2B5EF4-FFF2-40B4-BE49-F238E27FC236}">
-                <a16:creationId xmlns:a16="http://schemas.microsoft.com/office/drawing/2014/main" id="{3BBF9E43-F6CB-5DDC-52B9-414B7E8A89CA}"/>
+                <a16:creationId xmlns:a16="http://schemas.microsoft.com/office/drawing/2014/main" id="{304BA444-988B-01EF-1ECC-1FB0AF11362B}"/>
               </a:ext>
             </a:extLst>
           </p:cNvPr>
@@ -1987,7 +1987,7 @@
           <p:cNvPr id="5" name="灯片编号占位符 4">
             <a:extLst>
               <a:ext uri="{FF2B5EF4-FFF2-40B4-BE49-F238E27FC236}">
-                <a16:creationId xmlns:a16="http://schemas.microsoft.com/office/drawing/2014/main" id="{9A8FD09C-B14D-DF97-4D2A-91E6C06DE201}"/>
+                <a16:creationId xmlns:a16="http://schemas.microsoft.com/office/drawing/2014/main" id="{CF1B3702-DEBC-A96B-B893-00920BA631A8}"/>
               </a:ext>
             </a:extLst>
           </p:cNvPr>
@@ -2003,7 +2003,7 @@
           <a:bodyPr/>
           <a:lstStyle/>
           <a:p>
-            <a:fld id="{8DBBC0C1-7D2D-44EF-8C64-39DD44CD7B47}" type="slidenum">
+            <a:fld id="{8CDED345-DE58-49A9-A77A-320CC738F99C}" type="slidenum">
               <a:rPr lang="zh-CN" altLang="en-US" smtClean="0"/>
               <a:t>‹#›</a:t>
             </a:fld>
@@ -2014,7 +2014,7 @@
     </p:spTree>
     <p:extLst>
       <p:ext uri="{BB962C8B-B14F-4D97-AF65-F5344CB8AC3E}">
-        <p14:creationId xmlns:p14="http://schemas.microsoft.com/office/powerpoint/2010/main" val="2172930459"/>
+        <p14:creationId xmlns:p14="http://schemas.microsoft.com/office/powerpoint/2010/main" val="2988568143"/>
       </p:ext>
     </p:extLst>
   </p:cSld>
@@ -2046,7 +2046,7 @@
           <p:cNvPr id="2" name="日期占位符 1">
             <a:extLst>
               <a:ext uri="{FF2B5EF4-FFF2-40B4-BE49-F238E27FC236}">
-                <a16:creationId xmlns:a16="http://schemas.microsoft.com/office/drawing/2014/main" id="{2839C282-A237-3218-8B0F-0C4AF5850C57}"/>
+                <a16:creationId xmlns:a16="http://schemas.microsoft.com/office/drawing/2014/main" id="{892AEB59-4E46-A177-84F2-A9A00808B059}"/>
               </a:ext>
             </a:extLst>
           </p:cNvPr>
@@ -2062,7 +2062,7 @@
           <a:bodyPr/>
           <a:lstStyle/>
           <a:p>
-            <a:fld id="{E35323F7-301D-49BC-9403-50B3857597D1}" type="datetimeFigureOut">
+            <a:fld id="{00A00E4D-E38A-4B02-98B9-B1EBB768A1AB}" type="datetimeFigureOut">
               <a:rPr lang="zh-CN" altLang="en-US" smtClean="0"/>
               <a:t>2024/3/10</a:t>
             </a:fld>
@@ -2075,7 +2075,7 @@
           <p:cNvPr id="3" name="页脚占位符 2">
             <a:extLst>
               <a:ext uri="{FF2B5EF4-FFF2-40B4-BE49-F238E27FC236}">
-                <a16:creationId xmlns:a16="http://schemas.microsoft.com/office/drawing/2014/main" id="{7B5716A3-7B18-423E-755C-95FCF8F15F4F}"/>
+                <a16:creationId xmlns:a16="http://schemas.microsoft.com/office/drawing/2014/main" id="{8B50B679-F54A-90F7-A34F-0D02E509CBA7}"/>
               </a:ext>
             </a:extLst>
           </p:cNvPr>
@@ -2100,7 +2100,7 @@
           <p:cNvPr id="4" name="灯片编号占位符 3">
             <a:extLst>
               <a:ext uri="{FF2B5EF4-FFF2-40B4-BE49-F238E27FC236}">
-                <a16:creationId xmlns:a16="http://schemas.microsoft.com/office/drawing/2014/main" id="{C5C3C68C-38D7-4E16-6189-46371759579A}"/>
+                <a16:creationId xmlns:a16="http://schemas.microsoft.com/office/drawing/2014/main" id="{EA5C627E-5DE9-5B66-114B-6D342ADCD6C8}"/>
               </a:ext>
             </a:extLst>
           </p:cNvPr>
@@ -2116,7 +2116,7 @@
           <a:bodyPr/>
           <a:lstStyle/>
           <a:p>
-            <a:fld id="{8DBBC0C1-7D2D-44EF-8C64-39DD44CD7B47}" type="slidenum">
+            <a:fld id="{8CDED345-DE58-49A9-A77A-320CC738F99C}" type="slidenum">
               <a:rPr lang="zh-CN" altLang="en-US" smtClean="0"/>
               <a:t>‹#›</a:t>
             </a:fld>
@@ -2127,7 +2127,7 @@
     </p:spTree>
     <p:extLst>
       <p:ext uri="{BB962C8B-B14F-4D97-AF65-F5344CB8AC3E}">
-        <p14:creationId xmlns:p14="http://schemas.microsoft.com/office/powerpoint/2010/main" val="4217217594"/>
+        <p14:creationId xmlns:p14="http://schemas.microsoft.com/office/powerpoint/2010/main" val="369064833"/>
       </p:ext>
     </p:extLst>
   </p:cSld>
@@ -2159,7 +2159,7 @@
           <p:cNvPr id="2" name="标题 1">
             <a:extLst>
               <a:ext uri="{FF2B5EF4-FFF2-40B4-BE49-F238E27FC236}">
-                <a16:creationId xmlns:a16="http://schemas.microsoft.com/office/drawing/2014/main" id="{1AD502E1-3705-58B7-76CD-91ACDCB653D7}"/>
+                <a16:creationId xmlns:a16="http://schemas.microsoft.com/office/drawing/2014/main" id="{E64BCE2B-B690-C475-4B3A-2D78199243B9}"/>
               </a:ext>
             </a:extLst>
           </p:cNvPr>
@@ -2196,7 +2196,7 @@
           <p:cNvPr id="3" name="内容占位符 2">
             <a:extLst>
               <a:ext uri="{FF2B5EF4-FFF2-40B4-BE49-F238E27FC236}">
-                <a16:creationId xmlns:a16="http://schemas.microsoft.com/office/drawing/2014/main" id="{1365A4B6-D55E-CF57-1411-7FD38E2B3649}"/>
+                <a16:creationId xmlns:a16="http://schemas.microsoft.com/office/drawing/2014/main" id="{1F16BB98-7A75-F368-0D7D-C3CA98E659BC}"/>
               </a:ext>
             </a:extLst>
           </p:cNvPr>
@@ -2286,7 +2286,7 @@
           <p:cNvPr id="4" name="文本占位符 3">
             <a:extLst>
               <a:ext uri="{FF2B5EF4-FFF2-40B4-BE49-F238E27FC236}">
-                <a16:creationId xmlns:a16="http://schemas.microsoft.com/office/drawing/2014/main" id="{43EEA844-2306-CEFA-592E-5E8A603589A8}"/>
+                <a16:creationId xmlns:a16="http://schemas.microsoft.com/office/drawing/2014/main" id="{ACA212E5-D155-09E0-EBA6-45ACFA621125}"/>
               </a:ext>
             </a:extLst>
           </p:cNvPr>
@@ -2357,7 +2357,7 @@
           <p:cNvPr id="5" name="日期占位符 4">
             <a:extLst>
               <a:ext uri="{FF2B5EF4-FFF2-40B4-BE49-F238E27FC236}">
-                <a16:creationId xmlns:a16="http://schemas.microsoft.com/office/drawing/2014/main" id="{EC69908F-8C09-DF5E-47E4-C1657246E333}"/>
+                <a16:creationId xmlns:a16="http://schemas.microsoft.com/office/drawing/2014/main" id="{5527EE29-C83B-AC34-64D1-3FDF26C08F68}"/>
               </a:ext>
             </a:extLst>
           </p:cNvPr>
@@ -2373,7 +2373,7 @@
           <a:bodyPr/>
           <a:lstStyle/>
           <a:p>
-            <a:fld id="{E35323F7-301D-49BC-9403-50B3857597D1}" type="datetimeFigureOut">
+            <a:fld id="{00A00E4D-E38A-4B02-98B9-B1EBB768A1AB}" type="datetimeFigureOut">
               <a:rPr lang="zh-CN" altLang="en-US" smtClean="0"/>
               <a:t>2024/3/10</a:t>
             </a:fld>
@@ -2386,7 +2386,7 @@
           <p:cNvPr id="6" name="页脚占位符 5">
             <a:extLst>
               <a:ext uri="{FF2B5EF4-FFF2-40B4-BE49-F238E27FC236}">
-                <a16:creationId xmlns:a16="http://schemas.microsoft.com/office/drawing/2014/main" id="{BB97BE46-38E5-627E-2806-086A1039A87F}"/>
+                <a16:creationId xmlns:a16="http://schemas.microsoft.com/office/drawing/2014/main" id="{29C0C09B-330D-7586-E117-5E275C806407}"/>
               </a:ext>
             </a:extLst>
           </p:cNvPr>
@@ -2411,7 +2411,7 @@
           <p:cNvPr id="7" name="灯片编号占位符 6">
             <a:extLst>
               <a:ext uri="{FF2B5EF4-FFF2-40B4-BE49-F238E27FC236}">
-                <a16:creationId xmlns:a16="http://schemas.microsoft.com/office/drawing/2014/main" id="{3DF3F704-D016-F11D-8995-B4AA89F3F834}"/>
+                <a16:creationId xmlns:a16="http://schemas.microsoft.com/office/drawing/2014/main" id="{E0D6B408-5B3A-3C09-ECD2-A9A993CBB0A0}"/>
               </a:ext>
             </a:extLst>
           </p:cNvPr>
@@ -2427,7 +2427,7 @@
           <a:bodyPr/>
           <a:lstStyle/>
           <a:p>
-            <a:fld id="{8DBBC0C1-7D2D-44EF-8C64-39DD44CD7B47}" type="slidenum">
+            <a:fld id="{8CDED345-DE58-49A9-A77A-320CC738F99C}" type="slidenum">
               <a:rPr lang="zh-CN" altLang="en-US" smtClean="0"/>
               <a:t>‹#›</a:t>
             </a:fld>
@@ -2438,7 +2438,7 @@
     </p:spTree>
     <p:extLst>
       <p:ext uri="{BB962C8B-B14F-4D97-AF65-F5344CB8AC3E}">
-        <p14:creationId xmlns:p14="http://schemas.microsoft.com/office/powerpoint/2010/main" val="3827466169"/>
+        <p14:creationId xmlns:p14="http://schemas.microsoft.com/office/powerpoint/2010/main" val="1045083383"/>
       </p:ext>
     </p:extLst>
   </p:cSld>
@@ -2470,7 +2470,7 @@
           <p:cNvPr id="2" name="标题 1">
             <a:extLst>
               <a:ext uri="{FF2B5EF4-FFF2-40B4-BE49-F238E27FC236}">
-                <a16:creationId xmlns:a16="http://schemas.microsoft.com/office/drawing/2014/main" id="{CC15A16F-B9CD-8DC0-1F5E-49E393946D5C}"/>
+                <a16:creationId xmlns:a16="http://schemas.microsoft.com/office/drawing/2014/main" id="{628602C5-156F-6AD6-479C-6D5BDC0CB789}"/>
               </a:ext>
             </a:extLst>
           </p:cNvPr>
@@ -2507,7 +2507,7 @@
           <p:cNvPr id="3" name="图片占位符 2">
             <a:extLst>
               <a:ext uri="{FF2B5EF4-FFF2-40B4-BE49-F238E27FC236}">
-                <a16:creationId xmlns:a16="http://schemas.microsoft.com/office/drawing/2014/main" id="{A6027D64-8B7F-8F52-149E-33220FFDF9E4}"/>
+                <a16:creationId xmlns:a16="http://schemas.microsoft.com/office/drawing/2014/main" id="{873E7DF3-26D3-0737-69CD-D90FF6F7287C}"/>
               </a:ext>
             </a:extLst>
           </p:cNvPr>
@@ -2574,7 +2574,7 @@
           <p:cNvPr id="4" name="文本占位符 3">
             <a:extLst>
               <a:ext uri="{FF2B5EF4-FFF2-40B4-BE49-F238E27FC236}">
-                <a16:creationId xmlns:a16="http://schemas.microsoft.com/office/drawing/2014/main" id="{6887D8AB-EED2-BEC8-6277-5B02377A5C5B}"/>
+                <a16:creationId xmlns:a16="http://schemas.microsoft.com/office/drawing/2014/main" id="{CC0711BA-88DE-E459-8BB4-32DC00C8374D}"/>
               </a:ext>
             </a:extLst>
           </p:cNvPr>
@@ -2645,7 +2645,7 @@
           <p:cNvPr id="5" name="日期占位符 4">
             <a:extLst>
               <a:ext uri="{FF2B5EF4-FFF2-40B4-BE49-F238E27FC236}">
-                <a16:creationId xmlns:a16="http://schemas.microsoft.com/office/drawing/2014/main" id="{08C6BC74-9EAE-4AE9-8969-1B16BC42523A}"/>
+                <a16:creationId xmlns:a16="http://schemas.microsoft.com/office/drawing/2014/main" id="{07C9DB1D-2856-88E4-23A5-18DF4B7B7330}"/>
               </a:ext>
             </a:extLst>
           </p:cNvPr>
@@ -2661,7 +2661,7 @@
           <a:bodyPr/>
           <a:lstStyle/>
           <a:p>
-            <a:fld id="{E35323F7-301D-49BC-9403-50B3857597D1}" type="datetimeFigureOut">
+            <a:fld id="{00A00E4D-E38A-4B02-98B9-B1EBB768A1AB}" type="datetimeFigureOut">
               <a:rPr lang="zh-CN" altLang="en-US" smtClean="0"/>
               <a:t>2024/3/10</a:t>
             </a:fld>
@@ -2674,7 +2674,7 @@
           <p:cNvPr id="6" name="页脚占位符 5">
             <a:extLst>
               <a:ext uri="{FF2B5EF4-FFF2-40B4-BE49-F238E27FC236}">
-                <a16:creationId xmlns:a16="http://schemas.microsoft.com/office/drawing/2014/main" id="{1987FD08-91AD-333C-1301-3E043283353D}"/>
+                <a16:creationId xmlns:a16="http://schemas.microsoft.com/office/drawing/2014/main" id="{3D0456CE-1639-A250-7ABA-EBE04C8AD554}"/>
               </a:ext>
             </a:extLst>
           </p:cNvPr>
@@ -2699,7 +2699,7 @@
           <p:cNvPr id="7" name="灯片编号占位符 6">
             <a:extLst>
               <a:ext uri="{FF2B5EF4-FFF2-40B4-BE49-F238E27FC236}">
-                <a16:creationId xmlns:a16="http://schemas.microsoft.com/office/drawing/2014/main" id="{23AF179A-DB64-3960-8382-3868A7EA8AE5}"/>
+                <a16:creationId xmlns:a16="http://schemas.microsoft.com/office/drawing/2014/main" id="{F5645457-0576-6BE2-1EE1-1EB1D4DEB414}"/>
               </a:ext>
             </a:extLst>
           </p:cNvPr>
@@ -2715,7 +2715,7 @@
           <a:bodyPr/>
           <a:lstStyle/>
           <a:p>
-            <a:fld id="{8DBBC0C1-7D2D-44EF-8C64-39DD44CD7B47}" type="slidenum">
+            <a:fld id="{8CDED345-DE58-49A9-A77A-320CC738F99C}" type="slidenum">
               <a:rPr lang="zh-CN" altLang="en-US" smtClean="0"/>
               <a:t>‹#›</a:t>
             </a:fld>
@@ -2726,7 +2726,7 @@
     </p:spTree>
     <p:extLst>
       <p:ext uri="{BB962C8B-B14F-4D97-AF65-F5344CB8AC3E}">
-        <p14:creationId xmlns:p14="http://schemas.microsoft.com/office/powerpoint/2010/main" val="2618118140"/>
+        <p14:creationId xmlns:p14="http://schemas.microsoft.com/office/powerpoint/2010/main" val="3718009301"/>
       </p:ext>
     </p:extLst>
   </p:cSld>
@@ -2763,7 +2763,7 @@
           <p:cNvPr id="2" name="标题占位符 1">
             <a:extLst>
               <a:ext uri="{FF2B5EF4-FFF2-40B4-BE49-F238E27FC236}">
-                <a16:creationId xmlns:a16="http://schemas.microsoft.com/office/drawing/2014/main" id="{2E17F3BD-C53D-F1DC-0025-4B0A0ACAC514}"/>
+                <a16:creationId xmlns:a16="http://schemas.microsoft.com/office/drawing/2014/main" id="{C45F0FD7-7BAE-2CA1-95E6-E8E01EF5A3B3}"/>
               </a:ext>
             </a:extLst>
           </p:cNvPr>
@@ -2801,7 +2801,7 @@
           <p:cNvPr id="3" name="文本占位符 2">
             <a:extLst>
               <a:ext uri="{FF2B5EF4-FFF2-40B4-BE49-F238E27FC236}">
-                <a16:creationId xmlns:a16="http://schemas.microsoft.com/office/drawing/2014/main" id="{36DBC5AA-63F9-6CC6-B37E-494F134F905F}"/>
+                <a16:creationId xmlns:a16="http://schemas.microsoft.com/office/drawing/2014/main" id="{778A3028-BC32-1E27-796D-6C73D9051CC8}"/>
               </a:ext>
             </a:extLst>
           </p:cNvPr>
@@ -2868,7 +2868,7 @@
           <p:cNvPr id="4" name="日期占位符 3">
             <a:extLst>
               <a:ext uri="{FF2B5EF4-FFF2-40B4-BE49-F238E27FC236}">
-                <a16:creationId xmlns:a16="http://schemas.microsoft.com/office/drawing/2014/main" id="{455DCD64-B786-3D85-FE5B-7D3668E62B3D}"/>
+                <a16:creationId xmlns:a16="http://schemas.microsoft.com/office/drawing/2014/main" id="{9243260C-DA15-9088-F5DB-4449B4EF960B}"/>
               </a:ext>
             </a:extLst>
           </p:cNvPr>
@@ -2902,7 +2902,7 @@
             </a:lvl1pPr>
           </a:lstStyle>
           <a:p>
-            <a:fld id="{E35323F7-301D-49BC-9403-50B3857597D1}" type="datetimeFigureOut">
+            <a:fld id="{00A00E4D-E38A-4B02-98B9-B1EBB768A1AB}" type="datetimeFigureOut">
               <a:rPr lang="zh-CN" altLang="en-US" smtClean="0"/>
               <a:t>2024/3/10</a:t>
             </a:fld>
@@ -2915,7 +2915,7 @@
           <p:cNvPr id="5" name="页脚占位符 4">
             <a:extLst>
               <a:ext uri="{FF2B5EF4-FFF2-40B4-BE49-F238E27FC236}">
-                <a16:creationId xmlns:a16="http://schemas.microsoft.com/office/drawing/2014/main" id="{32BE3D9D-4E75-3288-27FB-3DB9213EFB4A}"/>
+                <a16:creationId xmlns:a16="http://schemas.microsoft.com/office/drawing/2014/main" id="{151BEA28-CB7A-6715-B140-0C53A80FCD31}"/>
               </a:ext>
             </a:extLst>
           </p:cNvPr>
@@ -2958,7 +2958,7 @@
           <p:cNvPr id="6" name="灯片编号占位符 5">
             <a:extLst>
               <a:ext uri="{FF2B5EF4-FFF2-40B4-BE49-F238E27FC236}">
-                <a16:creationId xmlns:a16="http://schemas.microsoft.com/office/drawing/2014/main" id="{2AA22692-899E-F04F-7344-4B0A9C8BC6DA}"/>
+                <a16:creationId xmlns:a16="http://schemas.microsoft.com/office/drawing/2014/main" id="{681384C0-4F26-9629-14E5-6EBF05C31C4A}"/>
               </a:ext>
             </a:extLst>
           </p:cNvPr>
@@ -2992,7 +2992,7 @@
             </a:lvl1pPr>
           </a:lstStyle>
           <a:p>
-            <a:fld id="{8DBBC0C1-7D2D-44EF-8C64-39DD44CD7B47}" type="slidenum">
+            <a:fld id="{8CDED345-DE58-49A9-A77A-320CC738F99C}" type="slidenum">
               <a:rPr lang="zh-CN" altLang="en-US" smtClean="0"/>
               <a:t>‹#›</a:t>
             </a:fld>
@@ -3003,7 +3003,7 @@
     </p:spTree>
     <p:extLst>
       <p:ext uri="{BB962C8B-B14F-4D97-AF65-F5344CB8AC3E}">
-        <p14:creationId xmlns:p14="http://schemas.microsoft.com/office/powerpoint/2010/main" val="2911855783"/>
+        <p14:creationId xmlns:p14="http://schemas.microsoft.com/office/powerpoint/2010/main" val="4268091237"/>
       </p:ext>
     </p:extLst>
   </p:cSld>
@@ -3323,7 +3323,7 @@
       </p:grpSpPr>
       <p:pic>
         <p:nvPicPr>
-          <p:cNvPr id="219138" name="Picture 2" descr="213"/>
+          <p:cNvPr id="221186" name="Picture 2" descr="215"/>
           <p:cNvPicPr>
             <a:picLocks noChangeAspect="1" noChangeArrowheads="1"/>
           </p:cNvPicPr>
